--- a/Figures/All_figs_supp.pptx
+++ b/Figures/All_figs_supp.pptx
@@ -124,6 +124,9 @@
         </p14:section>
       </p14:sectionLst>
     </p:ext>
+    <p:ext uri="{EFAFB233-063F-42B5-8137-9DF3F51BA10A}">
+      <p15:sldGuideLst xmlns:p15="http://schemas.microsoft.com/office/powerpoint/2012/main"/>
+    </p:ext>
   </p:extLst>
 </p:presentation>
 </file>
@@ -275,7 +278,7 @@
           <a:p>
             <a:fld id="{D42E6696-E7EC-42B0-923C-D52CB92D7295}" type="datetimeFigureOut">
               <a:rPr lang="en-US" smtClean="0"/>
-              <a:t>6/23/2023</a:t>
+              <a:t>1/9/2024</a:t>
             </a:fld>
             <a:endParaRPr lang="en-US"/>
           </a:p>
@@ -473,7 +476,7 @@
           <a:p>
             <a:fld id="{D42E6696-E7EC-42B0-923C-D52CB92D7295}" type="datetimeFigureOut">
               <a:rPr lang="en-US" smtClean="0"/>
-              <a:t>6/23/2023</a:t>
+              <a:t>1/9/2024</a:t>
             </a:fld>
             <a:endParaRPr lang="en-US"/>
           </a:p>
@@ -681,7 +684,7 @@
           <a:p>
             <a:fld id="{D42E6696-E7EC-42B0-923C-D52CB92D7295}" type="datetimeFigureOut">
               <a:rPr lang="en-US" smtClean="0"/>
-              <a:t>6/23/2023</a:t>
+              <a:t>1/9/2024</a:t>
             </a:fld>
             <a:endParaRPr lang="en-US"/>
           </a:p>
@@ -879,7 +882,7 @@
           <a:p>
             <a:fld id="{D42E6696-E7EC-42B0-923C-D52CB92D7295}" type="datetimeFigureOut">
               <a:rPr lang="en-US" smtClean="0"/>
-              <a:t>6/23/2023</a:t>
+              <a:t>1/9/2024</a:t>
             </a:fld>
             <a:endParaRPr lang="en-US"/>
           </a:p>
@@ -1154,7 +1157,7 @@
           <a:p>
             <a:fld id="{D42E6696-E7EC-42B0-923C-D52CB92D7295}" type="datetimeFigureOut">
               <a:rPr lang="en-US" smtClean="0"/>
-              <a:t>6/23/2023</a:t>
+              <a:t>1/9/2024</a:t>
             </a:fld>
             <a:endParaRPr lang="en-US"/>
           </a:p>
@@ -1419,7 +1422,7 @@
           <a:p>
             <a:fld id="{D42E6696-E7EC-42B0-923C-D52CB92D7295}" type="datetimeFigureOut">
               <a:rPr lang="en-US" smtClean="0"/>
-              <a:t>6/23/2023</a:t>
+              <a:t>1/9/2024</a:t>
             </a:fld>
             <a:endParaRPr lang="en-US"/>
           </a:p>
@@ -1831,7 +1834,7 @@
           <a:p>
             <a:fld id="{D42E6696-E7EC-42B0-923C-D52CB92D7295}" type="datetimeFigureOut">
               <a:rPr lang="en-US" smtClean="0"/>
-              <a:t>6/23/2023</a:t>
+              <a:t>1/9/2024</a:t>
             </a:fld>
             <a:endParaRPr lang="en-US"/>
           </a:p>
@@ -1972,7 +1975,7 @@
           <a:p>
             <a:fld id="{D42E6696-E7EC-42B0-923C-D52CB92D7295}" type="datetimeFigureOut">
               <a:rPr lang="en-US" smtClean="0"/>
-              <a:t>6/23/2023</a:t>
+              <a:t>1/9/2024</a:t>
             </a:fld>
             <a:endParaRPr lang="en-US"/>
           </a:p>
@@ -2085,7 +2088,7 @@
           <a:p>
             <a:fld id="{D42E6696-E7EC-42B0-923C-D52CB92D7295}" type="datetimeFigureOut">
               <a:rPr lang="en-US" smtClean="0"/>
-              <a:t>6/23/2023</a:t>
+              <a:t>1/9/2024</a:t>
             </a:fld>
             <a:endParaRPr lang="en-US"/>
           </a:p>
@@ -2396,7 +2399,7 @@
           <a:p>
             <a:fld id="{D42E6696-E7EC-42B0-923C-D52CB92D7295}" type="datetimeFigureOut">
               <a:rPr lang="en-US" smtClean="0"/>
-              <a:t>6/23/2023</a:t>
+              <a:t>1/9/2024</a:t>
             </a:fld>
             <a:endParaRPr lang="en-US"/>
           </a:p>
@@ -2684,7 +2687,7 @@
           <a:p>
             <a:fld id="{D42E6696-E7EC-42B0-923C-D52CB92D7295}" type="datetimeFigureOut">
               <a:rPr lang="en-US" smtClean="0"/>
-              <a:t>6/23/2023</a:t>
+              <a:t>1/9/2024</a:t>
             </a:fld>
             <a:endParaRPr lang="en-US"/>
           </a:p>
@@ -2925,7 +2928,7 @@
           <a:p>
             <a:fld id="{D42E6696-E7EC-42B0-923C-D52CB92D7295}" type="datetimeFigureOut">
               <a:rPr lang="en-US" smtClean="0"/>
-              <a:t>6/23/2023</a:t>
+              <a:t>1/9/2024</a:t>
             </a:fld>
             <a:endParaRPr lang="en-US"/>
           </a:p>
@@ -3589,66 +3592,6 @@
           </a:fontRef>
         </p:style>
       </p:cxnSp>
-      <p:pic>
-        <p:nvPicPr>
-          <p:cNvPr id="14" name="Picture 13">
-            <a:extLst>
-              <a:ext uri="{FF2B5EF4-FFF2-40B4-BE49-F238E27FC236}">
-                <a16:creationId xmlns:a16="http://schemas.microsoft.com/office/drawing/2014/main" id="{2AC66C26-FC68-0A50-58E8-ABA991532BB2}"/>
-              </a:ext>
-            </a:extLst>
-          </p:cNvPr>
-          <p:cNvPicPr>
-            <a:picLocks noChangeAspect="1"/>
-          </p:cNvPicPr>
-          <p:nvPr/>
-        </p:nvPicPr>
-        <p:blipFill>
-          <a:blip r:embed="rId3"/>
-          <a:stretch>
-            <a:fillRect/>
-          </a:stretch>
-        </p:blipFill>
-        <p:spPr>
-          <a:xfrm>
-            <a:off x="5645944" y="4780434"/>
-            <a:ext cx="2176461" cy="377985"/>
-          </a:xfrm>
-          <a:prstGeom prst="rect">
-            <a:avLst/>
-          </a:prstGeom>
-        </p:spPr>
-      </p:pic>
-      <p:pic>
-        <p:nvPicPr>
-          <p:cNvPr id="15" name="Picture 14">
-            <a:extLst>
-              <a:ext uri="{FF2B5EF4-FFF2-40B4-BE49-F238E27FC236}">
-                <a16:creationId xmlns:a16="http://schemas.microsoft.com/office/drawing/2014/main" id="{EFB9311A-1C77-A2AA-D92C-5619A76064BA}"/>
-              </a:ext>
-            </a:extLst>
-          </p:cNvPr>
-          <p:cNvPicPr>
-            <a:picLocks noChangeAspect="1"/>
-          </p:cNvPicPr>
-          <p:nvPr/>
-        </p:nvPicPr>
-        <p:blipFill>
-          <a:blip r:embed="rId4"/>
-          <a:stretch>
-            <a:fillRect/>
-          </a:stretch>
-        </p:blipFill>
-        <p:spPr>
-          <a:xfrm>
-            <a:off x="3907459" y="2060436"/>
-            <a:ext cx="377985" cy="1774090"/>
-          </a:xfrm>
-          <a:prstGeom prst="rect">
-            <a:avLst/>
-          </a:prstGeom>
-        </p:spPr>
-      </p:pic>
       <p:sp>
         <p:nvSpPr>
           <p:cNvPr id="17" name="TextBox 16">
@@ -3683,6 +3626,205 @@
                 <a:cs typeface="Times New Roman" panose="02020603050405020304" pitchFamily="18" charset="0"/>
               </a:rPr>
               <a:t>Figure S1: “Backwards” points observed at the beginning of each DAT curve.</a:t>
+            </a:r>
+          </a:p>
+        </p:txBody>
+      </p:sp>
+      <p:sp>
+        <p:nvSpPr>
+          <p:cNvPr id="2" name="TextBox 1">
+            <a:extLst>
+              <a:ext uri="{FF2B5EF4-FFF2-40B4-BE49-F238E27FC236}">
+                <a16:creationId xmlns:a16="http://schemas.microsoft.com/office/drawing/2014/main" id="{1827579E-3CA1-FBE1-096E-F37EC294F4E6}"/>
+              </a:ext>
+            </a:extLst>
+          </p:cNvPr>
+          <p:cNvSpPr txBox="1"/>
+          <p:nvPr/>
+        </p:nvSpPr>
+        <p:spPr>
+          <a:xfrm rot="16200000">
+            <a:off x="3187408" y="2793592"/>
+            <a:ext cx="1769165" cy="307777"/>
+          </a:xfrm>
+          <a:prstGeom prst="rect">
+            <a:avLst/>
+          </a:prstGeom>
+          <a:solidFill>
+            <a:schemeClr val="bg1"/>
+          </a:solidFill>
+        </p:spPr>
+        <p:txBody>
+          <a:bodyPr wrap="square" rtlCol="0">
+            <a:spAutoFit/>
+          </a:bodyPr>
+          <a:lstStyle/>
+          <a:p>
+            <a:pPr algn="ctr"/>
+            <a:r>
+              <a:rPr lang="en-US" sz="1400" i="1" dirty="0">
+                <a:latin typeface="Arial" panose="020B0604020202020204" pitchFamily="34" charset="0"/>
+                <a:cs typeface="Arial" panose="020B0604020202020204" pitchFamily="34" charset="0"/>
+              </a:rPr>
+              <a:t>A</a:t>
+            </a:r>
+            <a:r>
+              <a:rPr lang="en-US" sz="1400" i="1" baseline="-25000" dirty="0">
+                <a:latin typeface="Arial" panose="020B0604020202020204" pitchFamily="34" charset="0"/>
+                <a:cs typeface="Arial" panose="020B0604020202020204" pitchFamily="34" charset="0"/>
+              </a:rPr>
+              <a:t>net</a:t>
+            </a:r>
+            <a:r>
+              <a:rPr lang="en-US" sz="1400" dirty="0">
+                <a:latin typeface="Arial" panose="020B0604020202020204" pitchFamily="34" charset="0"/>
+                <a:cs typeface="Arial" panose="020B0604020202020204" pitchFamily="34" charset="0"/>
+              </a:rPr>
+              <a:t> (</a:t>
+            </a:r>
+            <a:r>
+              <a:rPr lang="el-GR" sz="1400" dirty="0">
+                <a:latin typeface="Arial" panose="020B0604020202020204" pitchFamily="34" charset="0"/>
+                <a:cs typeface="Arial" panose="020B0604020202020204" pitchFamily="34" charset="0"/>
+              </a:rPr>
+              <a:t>μ</a:t>
+            </a:r>
+            <a:r>
+              <a:rPr lang="en-US" sz="1400" dirty="0">
+                <a:solidFill>
+                  <a:srgbClr val="000000"/>
+                </a:solidFill>
+                <a:latin typeface="Arial" panose="020B0604020202020204" pitchFamily="34" charset="0"/>
+                <a:cs typeface="Arial" panose="020B0604020202020204" pitchFamily="34" charset="0"/>
+              </a:rPr>
+              <a:t>mol m</a:t>
+            </a:r>
+            <a:r>
+              <a:rPr lang="en-US" sz="1400" baseline="30000" dirty="0">
+                <a:solidFill>
+                  <a:srgbClr val="000000"/>
+                </a:solidFill>
+                <a:latin typeface="Arial" panose="020B0604020202020204" pitchFamily="34" charset="0"/>
+                <a:cs typeface="Arial" panose="020B0604020202020204" pitchFamily="34" charset="0"/>
+              </a:rPr>
+              <a:t>-2</a:t>
+            </a:r>
+            <a:r>
+              <a:rPr lang="en-US" sz="1400" dirty="0">
+                <a:solidFill>
+                  <a:srgbClr val="000000"/>
+                </a:solidFill>
+                <a:latin typeface="Arial" panose="020B0604020202020204" pitchFamily="34" charset="0"/>
+                <a:cs typeface="Arial" panose="020B0604020202020204" pitchFamily="34" charset="0"/>
+              </a:rPr>
+              <a:t> s</a:t>
+            </a:r>
+            <a:r>
+              <a:rPr lang="en-US" sz="1400" baseline="30000" dirty="0">
+                <a:solidFill>
+                  <a:srgbClr val="000000"/>
+                </a:solidFill>
+                <a:latin typeface="Arial" panose="020B0604020202020204" pitchFamily="34" charset="0"/>
+                <a:cs typeface="Arial" panose="020B0604020202020204" pitchFamily="34" charset="0"/>
+              </a:rPr>
+              <a:t>-1</a:t>
+            </a:r>
+            <a:r>
+              <a:rPr lang="en-US" sz="1400" dirty="0">
+                <a:solidFill>
+                  <a:srgbClr val="000000"/>
+                </a:solidFill>
+                <a:latin typeface="Arial" panose="020B0604020202020204" pitchFamily="34" charset="0"/>
+                <a:cs typeface="Arial" panose="020B0604020202020204" pitchFamily="34" charset="0"/>
+              </a:rPr>
+              <a:t>)</a:t>
+            </a:r>
+            <a:endParaRPr lang="en-US" sz="1400" dirty="0">
+              <a:latin typeface="Arial" panose="020B0604020202020204" pitchFamily="34" charset="0"/>
+              <a:cs typeface="Arial" panose="020B0604020202020204" pitchFamily="34" charset="0"/>
+            </a:endParaRPr>
+          </a:p>
+        </p:txBody>
+      </p:sp>
+      <p:sp>
+        <p:nvSpPr>
+          <p:cNvPr id="3" name="TextBox 2">
+            <a:extLst>
+              <a:ext uri="{FF2B5EF4-FFF2-40B4-BE49-F238E27FC236}">
+                <a16:creationId xmlns:a16="http://schemas.microsoft.com/office/drawing/2014/main" id="{CD42B5B3-DAED-BC3C-DBD1-549CF22B1345}"/>
+              </a:ext>
+            </a:extLst>
+          </p:cNvPr>
+          <p:cNvSpPr txBox="1"/>
+          <p:nvPr/>
+        </p:nvSpPr>
+        <p:spPr>
+          <a:xfrm>
+            <a:off x="5576328" y="4781647"/>
+            <a:ext cx="2174033" cy="307777"/>
+          </a:xfrm>
+          <a:prstGeom prst="rect">
+            <a:avLst/>
+          </a:prstGeom>
+          <a:solidFill>
+            <a:schemeClr val="bg1"/>
+          </a:solidFill>
+        </p:spPr>
+        <p:txBody>
+          <a:bodyPr wrap="square" rtlCol="0">
+            <a:spAutoFit/>
+          </a:bodyPr>
+          <a:lstStyle/>
+          <a:p>
+            <a:pPr algn="ctr"/>
+            <a:r>
+              <a:rPr lang="en-US" sz="1400" i="1" dirty="0">
+                <a:latin typeface="Arial" panose="020B0604020202020204" pitchFamily="34" charset="0"/>
+                <a:cs typeface="Arial" panose="020B0604020202020204" pitchFamily="34" charset="0"/>
+              </a:rPr>
+              <a:t>C</a:t>
+            </a:r>
+            <a:r>
+              <a:rPr lang="en-US" sz="1400" i="1" baseline="-25000" dirty="0">
+                <a:latin typeface="Arial" panose="020B0604020202020204" pitchFamily="34" charset="0"/>
+                <a:cs typeface="Arial" panose="020B0604020202020204" pitchFamily="34" charset="0"/>
+              </a:rPr>
+              <a:t>i</a:t>
+            </a:r>
+            <a:r>
+              <a:rPr lang="en-US" sz="1400" dirty="0">
+                <a:latin typeface="Arial" panose="020B0604020202020204" pitchFamily="34" charset="0"/>
+                <a:cs typeface="Arial" panose="020B0604020202020204" pitchFamily="34" charset="0"/>
+              </a:rPr>
+              <a:t> (</a:t>
+            </a:r>
+            <a:r>
+              <a:rPr lang="en-US" sz="1400" dirty="0" err="1">
+                <a:latin typeface="Arial" panose="020B0604020202020204" pitchFamily="34" charset="0"/>
+                <a:cs typeface="Arial" panose="020B0604020202020204" pitchFamily="34" charset="0"/>
+              </a:rPr>
+              <a:t>μmol</a:t>
+            </a:r>
+            <a:r>
+              <a:rPr lang="en-US" sz="1400" dirty="0">
+                <a:latin typeface="Arial" panose="020B0604020202020204" pitchFamily="34" charset="0"/>
+                <a:cs typeface="Arial" panose="020B0604020202020204" pitchFamily="34" charset="0"/>
+              </a:rPr>
+              <a:t> mol</a:t>
+            </a:r>
+            <a:r>
+              <a:rPr lang="en-US" sz="1400" baseline="30000" dirty="0">
+                <a:latin typeface="Arial" panose="020B0604020202020204" pitchFamily="34" charset="0"/>
+                <a:cs typeface="Arial" panose="020B0604020202020204" pitchFamily="34" charset="0"/>
+              </a:rPr>
+              <a:t>-1</a:t>
+            </a:r>
+            <a:r>
+              <a:rPr lang="en-US" sz="1400" dirty="0">
+                <a:latin typeface="Arial" panose="020B0604020202020204" pitchFamily="34" charset="0"/>
+                <a:cs typeface="Arial" panose="020B0604020202020204" pitchFamily="34" charset="0"/>
+              </a:rPr>
+              <a:t>)</a:t>
             </a:r>
           </a:p>
         </p:txBody>
